--- a/articles/201601/rom.pptx
+++ b/articles/201601/rom.pptx
@@ -4387,7 +4387,7 @@
         </p:nvSpPr>
         <p:spPr>
           <a:xfrm>
-            <a:off x="2704811" y="3087787"/>
+            <a:off x="2704811" y="3224018"/>
             <a:ext cx="246432" cy="369332"/>
           </a:xfrm>
           <a:prstGeom prst="rect">
@@ -6264,6 +6264,161 @@
           </a:fontRef>
         </p:style>
       </p:cxnSp>
+      <p:sp>
+        <p:nvSpPr>
+          <p:cNvPr id="87" name="テキスト ボックス 86"/>
+          <p:cNvSpPr txBox="1"/>
+          <p:nvPr/>
+        </p:nvSpPr>
+        <p:spPr>
+          <a:xfrm>
+            <a:off x="2522520" y="3924589"/>
+            <a:ext cx="463739" cy="369332"/>
+          </a:xfrm>
+          <a:prstGeom prst="rect">
+            <a:avLst/>
+          </a:prstGeom>
+          <a:noFill/>
+        </p:spPr>
+        <p:txBody>
+          <a:bodyPr wrap="none" rtlCol="0">
+            <a:spAutoFit/>
+          </a:bodyPr>
+          <a:lstStyle/>
+          <a:p>
+            <a:r>
+              <a:rPr kumimoji="1" lang="en-US" altLang="ja-JP" dirty="0" smtClean="0"/>
+              <a:t>C</a:t>
+            </a:r>
+            <a:r>
+              <a:rPr kumimoji="1" lang="en-US" altLang="ja-JP" baseline="-25000" dirty="0" smtClean="0"/>
+              <a:t>15</a:t>
+            </a:r>
+            <a:endParaRPr kumimoji="1" lang="ja-JP" altLang="en-US" baseline="-25000" dirty="0"/>
+          </a:p>
+        </p:txBody>
+      </p:sp>
+      <p:sp>
+        <p:nvSpPr>
+          <p:cNvPr id="90" name="テキスト ボックス 89"/>
+          <p:cNvSpPr txBox="1"/>
+          <p:nvPr/>
+        </p:nvSpPr>
+        <p:spPr>
+          <a:xfrm>
+            <a:off x="2462879" y="2854686"/>
+            <a:ext cx="389850" cy="369332"/>
+          </a:xfrm>
+          <a:prstGeom prst="rect">
+            <a:avLst/>
+          </a:prstGeom>
+          <a:noFill/>
+        </p:spPr>
+        <p:txBody>
+          <a:bodyPr wrap="none" rtlCol="0">
+            <a:spAutoFit/>
+          </a:bodyPr>
+          <a:lstStyle/>
+          <a:p>
+            <a:r>
+              <a:rPr kumimoji="1" lang="en-US" altLang="ja-JP" dirty="0" smtClean="0"/>
+              <a:t>C</a:t>
+            </a:r>
+            <a:r>
+              <a:rPr kumimoji="1" lang="en-US" altLang="ja-JP" baseline="-25000" dirty="0" smtClean="0"/>
+              <a:t>1</a:t>
+            </a:r>
+            <a:endParaRPr kumimoji="1" lang="ja-JP" altLang="en-US" baseline="-25000" dirty="0"/>
+          </a:p>
+        </p:txBody>
+      </p:sp>
+      <p:sp>
+        <p:nvSpPr>
+          <p:cNvPr id="2" name="右中かっこ 1"/>
+          <p:cNvSpPr/>
+          <p:nvPr/>
+        </p:nvSpPr>
+        <p:spPr>
+          <a:xfrm rot="5400000">
+            <a:off x="4137450" y="2677817"/>
+            <a:ext cx="498480" cy="6119492"/>
+          </a:xfrm>
+          <a:prstGeom prst="rightBrace">
+            <a:avLst/>
+          </a:prstGeom>
+          <a:ln>
+            <a:prstDash val="sysDash"/>
+          </a:ln>
+        </p:spPr>
+        <p:style>
+          <a:lnRef idx="3">
+            <a:schemeClr val="accent2"/>
+          </a:lnRef>
+          <a:fillRef idx="0">
+            <a:schemeClr val="accent2"/>
+          </a:fillRef>
+          <a:effectRef idx="2">
+            <a:schemeClr val="accent2"/>
+          </a:effectRef>
+          <a:fontRef idx="minor">
+            <a:schemeClr val="tx1"/>
+          </a:fontRef>
+        </p:style>
+        <p:txBody>
+          <a:bodyPr rtlCol="0" anchor="ctr"/>
+          <a:lstStyle/>
+          <a:p>
+            <a:pPr algn="ctr"/>
+            <a:endParaRPr kumimoji="1" lang="ja-JP" altLang="en-US"/>
+          </a:p>
+        </p:txBody>
+      </p:sp>
+      <p:sp>
+        <p:nvSpPr>
+          <p:cNvPr id="91" name="テキスト ボックス 90"/>
+          <p:cNvSpPr txBox="1"/>
+          <p:nvPr/>
+        </p:nvSpPr>
+        <p:spPr>
+          <a:xfrm>
+            <a:off x="4023182" y="5848304"/>
+            <a:ext cx="775423" cy="276999"/>
+          </a:xfrm>
+          <a:prstGeom prst="rect">
+            <a:avLst/>
+          </a:prstGeom>
+          <a:noFill/>
+        </p:spPr>
+        <p:txBody>
+          <a:bodyPr wrap="none" rtlCol="0">
+            <a:spAutoFit/>
+          </a:bodyPr>
+          <a:lstStyle/>
+          <a:p>
+            <a:r>
+              <a:rPr lang="en-US" altLang="ja-JP" baseline="-25000" dirty="0">
+                <a:solidFill>
+                  <a:schemeClr val="accent2"/>
+                </a:solidFill>
+              </a:rPr>
+              <a:t>l</a:t>
+            </a:r>
+            <a:r>
+              <a:rPr lang="en-US" altLang="ja-JP" baseline="-25000" dirty="0" smtClean="0">
+                <a:solidFill>
+                  <a:schemeClr val="accent2"/>
+                </a:solidFill>
+              </a:rPr>
+              <a:t>c_rom16</a:t>
+            </a:r>
+            <a:endParaRPr kumimoji="1" lang="ja-JP" altLang="en-US" baseline="-25000" dirty="0">
+              <a:solidFill>
+                <a:schemeClr val="accent2"/>
+              </a:solidFill>
+            </a:endParaRPr>
+          </a:p>
+        </p:txBody>
+      </p:sp>
     </p:spTree>
     <p:extLst>
       <p:ext uri="{BB962C8B-B14F-4D97-AF65-F5344CB8AC3E}">
